--- a/PTT e Referencias/ML.pptx
+++ b/PTT e Referencias/ML.pptx
@@ -247,7 +247,7 @@
           <a:p>
             <a:fld id="{78CCB5A8-E97B-42CD-BFB7-4F6D578D26DD}" type="datetimeFigureOut">
               <a:rPr lang="pt-BR" smtClean="0"/>
-              <a:t>22/10/2019</a:t>
+              <a:t>23/10/2019</a:t>
             </a:fld>
             <a:endParaRPr lang="pt-BR"/>
           </a:p>
@@ -777,7 +777,7 @@
           <a:p>
             <a:fld id="{75776B4B-6C2A-4EE6-8534-3A42AEE5359C}" type="datetimeFigureOut">
               <a:rPr lang="pt-BR" smtClean="0"/>
-              <a:t>22/10/2019</a:t>
+              <a:t>23/10/2019</a:t>
             </a:fld>
             <a:endParaRPr lang="pt-BR"/>
           </a:p>
@@ -977,7 +977,7 @@
           <a:p>
             <a:fld id="{75776B4B-6C2A-4EE6-8534-3A42AEE5359C}" type="datetimeFigureOut">
               <a:rPr lang="pt-BR" smtClean="0"/>
-              <a:t>22/10/2019</a:t>
+              <a:t>23/10/2019</a:t>
             </a:fld>
             <a:endParaRPr lang="pt-BR"/>
           </a:p>
@@ -1187,7 +1187,7 @@
           <a:p>
             <a:fld id="{75776B4B-6C2A-4EE6-8534-3A42AEE5359C}" type="datetimeFigureOut">
               <a:rPr lang="pt-BR" smtClean="0"/>
-              <a:t>22/10/2019</a:t>
+              <a:t>23/10/2019</a:t>
             </a:fld>
             <a:endParaRPr lang="pt-BR"/>
           </a:p>
@@ -1387,7 +1387,7 @@
           <a:p>
             <a:fld id="{75776B4B-6C2A-4EE6-8534-3A42AEE5359C}" type="datetimeFigureOut">
               <a:rPr lang="pt-BR" smtClean="0"/>
-              <a:t>22/10/2019</a:t>
+              <a:t>23/10/2019</a:t>
             </a:fld>
             <a:endParaRPr lang="pt-BR"/>
           </a:p>
@@ -1663,7 +1663,7 @@
           <a:p>
             <a:fld id="{75776B4B-6C2A-4EE6-8534-3A42AEE5359C}" type="datetimeFigureOut">
               <a:rPr lang="pt-BR" smtClean="0"/>
-              <a:t>22/10/2019</a:t>
+              <a:t>23/10/2019</a:t>
             </a:fld>
             <a:endParaRPr lang="pt-BR"/>
           </a:p>
@@ -1931,7 +1931,7 @@
           <a:p>
             <a:fld id="{75776B4B-6C2A-4EE6-8534-3A42AEE5359C}" type="datetimeFigureOut">
               <a:rPr lang="pt-BR" smtClean="0"/>
-              <a:t>22/10/2019</a:t>
+              <a:t>23/10/2019</a:t>
             </a:fld>
             <a:endParaRPr lang="pt-BR"/>
           </a:p>
@@ -2346,7 +2346,7 @@
           <a:p>
             <a:fld id="{75776B4B-6C2A-4EE6-8534-3A42AEE5359C}" type="datetimeFigureOut">
               <a:rPr lang="pt-BR" smtClean="0"/>
-              <a:t>22/10/2019</a:t>
+              <a:t>23/10/2019</a:t>
             </a:fld>
             <a:endParaRPr lang="pt-BR"/>
           </a:p>
@@ -2488,7 +2488,7 @@
           <a:p>
             <a:fld id="{75776B4B-6C2A-4EE6-8534-3A42AEE5359C}" type="datetimeFigureOut">
               <a:rPr lang="pt-BR" smtClean="0"/>
-              <a:t>22/10/2019</a:t>
+              <a:t>23/10/2019</a:t>
             </a:fld>
             <a:endParaRPr lang="pt-BR"/>
           </a:p>
@@ -2601,7 +2601,7 @@
           <a:p>
             <a:fld id="{75776B4B-6C2A-4EE6-8534-3A42AEE5359C}" type="datetimeFigureOut">
               <a:rPr lang="pt-BR" smtClean="0"/>
-              <a:t>22/10/2019</a:t>
+              <a:t>23/10/2019</a:t>
             </a:fld>
             <a:endParaRPr lang="pt-BR"/>
           </a:p>
@@ -2914,7 +2914,7 @@
           <a:p>
             <a:fld id="{75776B4B-6C2A-4EE6-8534-3A42AEE5359C}" type="datetimeFigureOut">
               <a:rPr lang="pt-BR" smtClean="0"/>
-              <a:t>22/10/2019</a:t>
+              <a:t>23/10/2019</a:t>
             </a:fld>
             <a:endParaRPr lang="pt-BR"/>
           </a:p>
@@ -3203,7 +3203,7 @@
           <a:p>
             <a:fld id="{75776B4B-6C2A-4EE6-8534-3A42AEE5359C}" type="datetimeFigureOut">
               <a:rPr lang="pt-BR" smtClean="0"/>
-              <a:t>22/10/2019</a:t>
+              <a:t>23/10/2019</a:t>
             </a:fld>
             <a:endParaRPr lang="pt-BR"/>
           </a:p>
@@ -3446,7 +3446,7 @@
           <a:p>
             <a:fld id="{75776B4B-6C2A-4EE6-8534-3A42AEE5359C}" type="datetimeFigureOut">
               <a:rPr lang="pt-BR" smtClean="0"/>
-              <a:t>22/10/2019</a:t>
+              <a:t>23/10/2019</a:t>
             </a:fld>
             <a:endParaRPr lang="pt-BR"/>
           </a:p>
